--- a/ppt 16-9/0424.复兴的火.pptx
+++ b/ppt 16-9/0424.复兴的火.pptx
@@ -5,7 +5,7 @@
     <p:sldMasterId id="2147483648" r:id="rId1"/>
   </p:sldMasterIdLst>
   <p:sldIdLst>
-    <p:sldId id="2902" r:id="rId2"/>
+    <p:sldId id="2905" r:id="rId2"/>
   </p:sldIdLst>
   <p:sldSz cx="12192000" cy="6858000"/>
   <p:notesSz cx="6858000" cy="9144000"/>
@@ -129,7 +129,7 @@
           <p:cNvPr id="2" name="标题 1">
             <a:extLst>
               <a:ext uri="{FF2B5EF4-FFF2-40B4-BE49-F238E27FC236}">
-                <a16:creationId xmlns:a16="http://schemas.microsoft.com/office/drawing/2014/main" id="{971042BC-89A6-B405-2DA3-54BD43C51657}"/>
+                <a16:creationId xmlns:a16="http://schemas.microsoft.com/office/drawing/2014/main" id="{7D90E394-B511-3B7D-2B1D-6E144C404670}"/>
               </a:ext>
             </a:extLst>
           </p:cNvPr>
@@ -166,7 +166,7 @@
           <p:cNvPr id="3" name="副标题 2">
             <a:extLst>
               <a:ext uri="{FF2B5EF4-FFF2-40B4-BE49-F238E27FC236}">
-                <a16:creationId xmlns:a16="http://schemas.microsoft.com/office/drawing/2014/main" id="{E9341226-DC99-6370-6B91-AE9CB0E6128B}"/>
+                <a16:creationId xmlns:a16="http://schemas.microsoft.com/office/drawing/2014/main" id="{4969B044-0080-656E-7FDC-85052233FD74}"/>
               </a:ext>
             </a:extLst>
           </p:cNvPr>
@@ -236,7 +236,7 @@
           <p:cNvPr id="4" name="日期占位符 3">
             <a:extLst>
               <a:ext uri="{FF2B5EF4-FFF2-40B4-BE49-F238E27FC236}">
-                <a16:creationId xmlns:a16="http://schemas.microsoft.com/office/drawing/2014/main" id="{D610332B-C95D-A06E-4FD6-B7EF71AE98F8}"/>
+                <a16:creationId xmlns:a16="http://schemas.microsoft.com/office/drawing/2014/main" id="{75E03C16-E9DE-9829-8BC4-99A5D48BE28D}"/>
               </a:ext>
             </a:extLst>
           </p:cNvPr>
@@ -252,7 +252,7 @@
           <a:bodyPr/>
           <a:lstStyle/>
           <a:p>
-            <a:fld id="{6F1AA815-EEE9-4BA4-95E7-B4CA1398B5E1}" type="datetimeFigureOut">
+            <a:fld id="{8D5F87DD-D63A-4C4C-A164-C39A543DF4EE}" type="datetimeFigureOut">
               <a:rPr lang="zh-CN" altLang="en-US" smtClean="0"/>
               <a:t>2024/3/10</a:t>
             </a:fld>
@@ -265,7 +265,7 @@
           <p:cNvPr id="5" name="页脚占位符 4">
             <a:extLst>
               <a:ext uri="{FF2B5EF4-FFF2-40B4-BE49-F238E27FC236}">
-                <a16:creationId xmlns:a16="http://schemas.microsoft.com/office/drawing/2014/main" id="{3F1B5347-217B-C612-552D-0E666BC34FA2}"/>
+                <a16:creationId xmlns:a16="http://schemas.microsoft.com/office/drawing/2014/main" id="{B82D02A3-E0F3-F5B8-02B2-D500558976C7}"/>
               </a:ext>
             </a:extLst>
           </p:cNvPr>
@@ -290,7 +290,7 @@
           <p:cNvPr id="6" name="灯片编号占位符 5">
             <a:extLst>
               <a:ext uri="{FF2B5EF4-FFF2-40B4-BE49-F238E27FC236}">
-                <a16:creationId xmlns:a16="http://schemas.microsoft.com/office/drawing/2014/main" id="{1AD6750D-518E-D9BE-C1B2-025EB3F3D3D7}"/>
+                <a16:creationId xmlns:a16="http://schemas.microsoft.com/office/drawing/2014/main" id="{C744C124-14F0-811A-A295-6F8B08DD3699}"/>
               </a:ext>
             </a:extLst>
           </p:cNvPr>
@@ -306,7 +306,7 @@
           <a:bodyPr/>
           <a:lstStyle/>
           <a:p>
-            <a:fld id="{2821B533-969A-4591-A17F-DDB48F225EB2}" type="slidenum">
+            <a:fld id="{E5B62E72-26D2-4AA7-B037-C5A373601415}" type="slidenum">
               <a:rPr lang="zh-CN" altLang="en-US" smtClean="0"/>
               <a:t>‹#›</a:t>
             </a:fld>
@@ -317,7 +317,7 @@
     </p:spTree>
     <p:extLst>
       <p:ext uri="{BB962C8B-B14F-4D97-AF65-F5344CB8AC3E}">
-        <p14:creationId xmlns:p14="http://schemas.microsoft.com/office/powerpoint/2010/main" val="4260747010"/>
+        <p14:creationId xmlns:p14="http://schemas.microsoft.com/office/powerpoint/2010/main" val="3886726062"/>
       </p:ext>
     </p:extLst>
   </p:cSld>
@@ -349,7 +349,7 @@
           <p:cNvPr id="2" name="标题 1">
             <a:extLst>
               <a:ext uri="{FF2B5EF4-FFF2-40B4-BE49-F238E27FC236}">
-                <a16:creationId xmlns:a16="http://schemas.microsoft.com/office/drawing/2014/main" id="{B6462086-36EB-3D43-CA60-5168C239EE8E}"/>
+                <a16:creationId xmlns:a16="http://schemas.microsoft.com/office/drawing/2014/main" id="{129358D3-C1FC-1044-8539-0177A90CA8F3}"/>
               </a:ext>
             </a:extLst>
           </p:cNvPr>
@@ -377,7 +377,7 @@
           <p:cNvPr id="3" name="竖排文字占位符 2">
             <a:extLst>
               <a:ext uri="{FF2B5EF4-FFF2-40B4-BE49-F238E27FC236}">
-                <a16:creationId xmlns:a16="http://schemas.microsoft.com/office/drawing/2014/main" id="{2B644B1B-D882-DF11-D76A-9C8B9768C071}"/>
+                <a16:creationId xmlns:a16="http://schemas.microsoft.com/office/drawing/2014/main" id="{FF884E22-9243-26BB-135D-99D33713BC5C}"/>
               </a:ext>
             </a:extLst>
           </p:cNvPr>
@@ -434,7 +434,7 @@
           <p:cNvPr id="4" name="日期占位符 3">
             <a:extLst>
               <a:ext uri="{FF2B5EF4-FFF2-40B4-BE49-F238E27FC236}">
-                <a16:creationId xmlns:a16="http://schemas.microsoft.com/office/drawing/2014/main" id="{4E31F398-DA96-6EA2-9716-1A4D338B7FD1}"/>
+                <a16:creationId xmlns:a16="http://schemas.microsoft.com/office/drawing/2014/main" id="{45D9AD0A-9E3D-F14C-AAD2-F23C3F84C975}"/>
               </a:ext>
             </a:extLst>
           </p:cNvPr>
@@ -450,7 +450,7 @@
           <a:bodyPr/>
           <a:lstStyle/>
           <a:p>
-            <a:fld id="{6F1AA815-EEE9-4BA4-95E7-B4CA1398B5E1}" type="datetimeFigureOut">
+            <a:fld id="{8D5F87DD-D63A-4C4C-A164-C39A543DF4EE}" type="datetimeFigureOut">
               <a:rPr lang="zh-CN" altLang="en-US" smtClean="0"/>
               <a:t>2024/3/10</a:t>
             </a:fld>
@@ -463,7 +463,7 @@
           <p:cNvPr id="5" name="页脚占位符 4">
             <a:extLst>
               <a:ext uri="{FF2B5EF4-FFF2-40B4-BE49-F238E27FC236}">
-                <a16:creationId xmlns:a16="http://schemas.microsoft.com/office/drawing/2014/main" id="{E258DEE8-6A32-B818-FB06-7A9FD117E8D4}"/>
+                <a16:creationId xmlns:a16="http://schemas.microsoft.com/office/drawing/2014/main" id="{5707E6B5-75C4-776D-65C3-2FA3F6CE3B27}"/>
               </a:ext>
             </a:extLst>
           </p:cNvPr>
@@ -488,7 +488,7 @@
           <p:cNvPr id="6" name="灯片编号占位符 5">
             <a:extLst>
               <a:ext uri="{FF2B5EF4-FFF2-40B4-BE49-F238E27FC236}">
-                <a16:creationId xmlns:a16="http://schemas.microsoft.com/office/drawing/2014/main" id="{A7E4505D-3805-4413-ABD3-B435B0A0F634}"/>
+                <a16:creationId xmlns:a16="http://schemas.microsoft.com/office/drawing/2014/main" id="{F80B81A9-71DC-F346-6D59-D502241CD65F}"/>
               </a:ext>
             </a:extLst>
           </p:cNvPr>
@@ -504,7 +504,7 @@
           <a:bodyPr/>
           <a:lstStyle/>
           <a:p>
-            <a:fld id="{2821B533-969A-4591-A17F-DDB48F225EB2}" type="slidenum">
+            <a:fld id="{E5B62E72-26D2-4AA7-B037-C5A373601415}" type="slidenum">
               <a:rPr lang="zh-CN" altLang="en-US" smtClean="0"/>
               <a:t>‹#›</a:t>
             </a:fld>
@@ -515,7 +515,7 @@
     </p:spTree>
     <p:extLst>
       <p:ext uri="{BB962C8B-B14F-4D97-AF65-F5344CB8AC3E}">
-        <p14:creationId xmlns:p14="http://schemas.microsoft.com/office/powerpoint/2010/main" val="2464739243"/>
+        <p14:creationId xmlns:p14="http://schemas.microsoft.com/office/powerpoint/2010/main" val="1961532493"/>
       </p:ext>
     </p:extLst>
   </p:cSld>
@@ -547,7 +547,7 @@
           <p:cNvPr id="2" name="竖排标题 1">
             <a:extLst>
               <a:ext uri="{FF2B5EF4-FFF2-40B4-BE49-F238E27FC236}">
-                <a16:creationId xmlns:a16="http://schemas.microsoft.com/office/drawing/2014/main" id="{9A2E7487-39AF-B0D5-7F0B-9A5CAC3F4961}"/>
+                <a16:creationId xmlns:a16="http://schemas.microsoft.com/office/drawing/2014/main" id="{162A9E66-C972-BC29-F42C-4E3A5000EDDB}"/>
               </a:ext>
             </a:extLst>
           </p:cNvPr>
@@ -580,7 +580,7 @@
           <p:cNvPr id="3" name="竖排文字占位符 2">
             <a:extLst>
               <a:ext uri="{FF2B5EF4-FFF2-40B4-BE49-F238E27FC236}">
-                <a16:creationId xmlns:a16="http://schemas.microsoft.com/office/drawing/2014/main" id="{05C745F1-738F-FC3A-87DD-85DD804DA1F9}"/>
+                <a16:creationId xmlns:a16="http://schemas.microsoft.com/office/drawing/2014/main" id="{E33B2E09-6AD8-4F99-F2D9-585B280BEA66}"/>
               </a:ext>
             </a:extLst>
           </p:cNvPr>
@@ -642,7 +642,7 @@
           <p:cNvPr id="4" name="日期占位符 3">
             <a:extLst>
               <a:ext uri="{FF2B5EF4-FFF2-40B4-BE49-F238E27FC236}">
-                <a16:creationId xmlns:a16="http://schemas.microsoft.com/office/drawing/2014/main" id="{83816DE6-41F3-9E85-D510-DB5E081DDCAF}"/>
+                <a16:creationId xmlns:a16="http://schemas.microsoft.com/office/drawing/2014/main" id="{D361D714-5F91-8AA9-2575-C6082841370B}"/>
               </a:ext>
             </a:extLst>
           </p:cNvPr>
@@ -658,7 +658,7 @@
           <a:bodyPr/>
           <a:lstStyle/>
           <a:p>
-            <a:fld id="{6F1AA815-EEE9-4BA4-95E7-B4CA1398B5E1}" type="datetimeFigureOut">
+            <a:fld id="{8D5F87DD-D63A-4C4C-A164-C39A543DF4EE}" type="datetimeFigureOut">
               <a:rPr lang="zh-CN" altLang="en-US" smtClean="0"/>
               <a:t>2024/3/10</a:t>
             </a:fld>
@@ -671,7 +671,7 @@
           <p:cNvPr id="5" name="页脚占位符 4">
             <a:extLst>
               <a:ext uri="{FF2B5EF4-FFF2-40B4-BE49-F238E27FC236}">
-                <a16:creationId xmlns:a16="http://schemas.microsoft.com/office/drawing/2014/main" id="{2C664AFC-B0FC-DAB6-C729-6073792488FD}"/>
+                <a16:creationId xmlns:a16="http://schemas.microsoft.com/office/drawing/2014/main" id="{C57668DF-DE42-A11B-47D4-FE9EE863B8DF}"/>
               </a:ext>
             </a:extLst>
           </p:cNvPr>
@@ -696,7 +696,7 @@
           <p:cNvPr id="6" name="灯片编号占位符 5">
             <a:extLst>
               <a:ext uri="{FF2B5EF4-FFF2-40B4-BE49-F238E27FC236}">
-                <a16:creationId xmlns:a16="http://schemas.microsoft.com/office/drawing/2014/main" id="{D71B69F4-9619-C916-DE90-541E25066CB7}"/>
+                <a16:creationId xmlns:a16="http://schemas.microsoft.com/office/drawing/2014/main" id="{27891CE6-76F4-8B8F-124D-20FEF1347DA5}"/>
               </a:ext>
             </a:extLst>
           </p:cNvPr>
@@ -712,7 +712,7 @@
           <a:bodyPr/>
           <a:lstStyle/>
           <a:p>
-            <a:fld id="{2821B533-969A-4591-A17F-DDB48F225EB2}" type="slidenum">
+            <a:fld id="{E5B62E72-26D2-4AA7-B037-C5A373601415}" type="slidenum">
               <a:rPr lang="zh-CN" altLang="en-US" smtClean="0"/>
               <a:t>‹#›</a:t>
             </a:fld>
@@ -723,7 +723,7 @@
     </p:spTree>
     <p:extLst>
       <p:ext uri="{BB962C8B-B14F-4D97-AF65-F5344CB8AC3E}">
-        <p14:creationId xmlns:p14="http://schemas.microsoft.com/office/powerpoint/2010/main" val="1973284769"/>
+        <p14:creationId xmlns:p14="http://schemas.microsoft.com/office/powerpoint/2010/main" val="3314143960"/>
       </p:ext>
     </p:extLst>
   </p:cSld>
@@ -755,7 +755,7 @@
           <p:cNvPr id="2" name="标题 1">
             <a:extLst>
               <a:ext uri="{FF2B5EF4-FFF2-40B4-BE49-F238E27FC236}">
-                <a16:creationId xmlns:a16="http://schemas.microsoft.com/office/drawing/2014/main" id="{4EDFF0D6-CDCD-0BB3-49BE-7AC754FD78B4}"/>
+                <a16:creationId xmlns:a16="http://schemas.microsoft.com/office/drawing/2014/main" id="{E82D2D8F-A4F7-F1B0-45ED-5AF279D824D7}"/>
               </a:ext>
             </a:extLst>
           </p:cNvPr>
@@ -783,7 +783,7 @@
           <p:cNvPr id="3" name="内容占位符 2">
             <a:extLst>
               <a:ext uri="{FF2B5EF4-FFF2-40B4-BE49-F238E27FC236}">
-                <a16:creationId xmlns:a16="http://schemas.microsoft.com/office/drawing/2014/main" id="{5283AB99-28B3-5276-00B7-8AFEDCEDD15E}"/>
+                <a16:creationId xmlns:a16="http://schemas.microsoft.com/office/drawing/2014/main" id="{1CA7C829-DAB3-8011-2BF5-EBE1158B094A}"/>
               </a:ext>
             </a:extLst>
           </p:cNvPr>
@@ -840,7 +840,7 @@
           <p:cNvPr id="4" name="日期占位符 3">
             <a:extLst>
               <a:ext uri="{FF2B5EF4-FFF2-40B4-BE49-F238E27FC236}">
-                <a16:creationId xmlns:a16="http://schemas.microsoft.com/office/drawing/2014/main" id="{32DB9FED-E9DB-4324-444F-330F8E148176}"/>
+                <a16:creationId xmlns:a16="http://schemas.microsoft.com/office/drawing/2014/main" id="{110E456F-F5DA-74B7-AFAB-6BFF3B88FA3E}"/>
               </a:ext>
             </a:extLst>
           </p:cNvPr>
@@ -856,7 +856,7 @@
           <a:bodyPr/>
           <a:lstStyle/>
           <a:p>
-            <a:fld id="{6F1AA815-EEE9-4BA4-95E7-B4CA1398B5E1}" type="datetimeFigureOut">
+            <a:fld id="{8D5F87DD-D63A-4C4C-A164-C39A543DF4EE}" type="datetimeFigureOut">
               <a:rPr lang="zh-CN" altLang="en-US" smtClean="0"/>
               <a:t>2024/3/10</a:t>
             </a:fld>
@@ -869,7 +869,7 @@
           <p:cNvPr id="5" name="页脚占位符 4">
             <a:extLst>
               <a:ext uri="{FF2B5EF4-FFF2-40B4-BE49-F238E27FC236}">
-                <a16:creationId xmlns:a16="http://schemas.microsoft.com/office/drawing/2014/main" id="{E8669720-E6DA-1E92-B93B-396A50F4D0FD}"/>
+                <a16:creationId xmlns:a16="http://schemas.microsoft.com/office/drawing/2014/main" id="{1ABB4DAB-717B-2C3C-4C98-74D6A6ABA5F9}"/>
               </a:ext>
             </a:extLst>
           </p:cNvPr>
@@ -894,7 +894,7 @@
           <p:cNvPr id="6" name="灯片编号占位符 5">
             <a:extLst>
               <a:ext uri="{FF2B5EF4-FFF2-40B4-BE49-F238E27FC236}">
-                <a16:creationId xmlns:a16="http://schemas.microsoft.com/office/drawing/2014/main" id="{F2DC7EEC-513A-9FC2-22C9-8B819A899923}"/>
+                <a16:creationId xmlns:a16="http://schemas.microsoft.com/office/drawing/2014/main" id="{85728ADB-9FD0-8DEE-21F0-C9FC34552D48}"/>
               </a:ext>
             </a:extLst>
           </p:cNvPr>
@@ -910,7 +910,7 @@
           <a:bodyPr/>
           <a:lstStyle/>
           <a:p>
-            <a:fld id="{2821B533-969A-4591-A17F-DDB48F225EB2}" type="slidenum">
+            <a:fld id="{E5B62E72-26D2-4AA7-B037-C5A373601415}" type="slidenum">
               <a:rPr lang="zh-CN" altLang="en-US" smtClean="0"/>
               <a:t>‹#›</a:t>
             </a:fld>
@@ -921,7 +921,7 @@
     </p:spTree>
     <p:extLst>
       <p:ext uri="{BB962C8B-B14F-4D97-AF65-F5344CB8AC3E}">
-        <p14:creationId xmlns:p14="http://schemas.microsoft.com/office/powerpoint/2010/main" val="3383311090"/>
+        <p14:creationId xmlns:p14="http://schemas.microsoft.com/office/powerpoint/2010/main" val="2615676508"/>
       </p:ext>
     </p:extLst>
   </p:cSld>
@@ -953,7 +953,7 @@
           <p:cNvPr id="2" name="标题 1">
             <a:extLst>
               <a:ext uri="{FF2B5EF4-FFF2-40B4-BE49-F238E27FC236}">
-                <a16:creationId xmlns:a16="http://schemas.microsoft.com/office/drawing/2014/main" id="{FEC74C52-DE4C-271A-8CD0-62118A2EDB7E}"/>
+                <a16:creationId xmlns:a16="http://schemas.microsoft.com/office/drawing/2014/main" id="{6AB57DF6-83E1-7F5B-FFCA-15A74ACF97DC}"/>
               </a:ext>
             </a:extLst>
           </p:cNvPr>
@@ -990,7 +990,7 @@
           <p:cNvPr id="3" name="文本占位符 2">
             <a:extLst>
               <a:ext uri="{FF2B5EF4-FFF2-40B4-BE49-F238E27FC236}">
-                <a16:creationId xmlns:a16="http://schemas.microsoft.com/office/drawing/2014/main" id="{7E9152FC-BD63-428C-DA8E-F0DBFC23B863}"/>
+                <a16:creationId xmlns:a16="http://schemas.microsoft.com/office/drawing/2014/main" id="{95FF71AB-559F-FCD7-14FC-F0EA0B800D18}"/>
               </a:ext>
             </a:extLst>
           </p:cNvPr>
@@ -1115,7 +1115,7 @@
           <p:cNvPr id="4" name="日期占位符 3">
             <a:extLst>
               <a:ext uri="{FF2B5EF4-FFF2-40B4-BE49-F238E27FC236}">
-                <a16:creationId xmlns:a16="http://schemas.microsoft.com/office/drawing/2014/main" id="{F86AAE5A-2884-9E59-26D0-91B4634AE174}"/>
+                <a16:creationId xmlns:a16="http://schemas.microsoft.com/office/drawing/2014/main" id="{79525134-7CC1-E8BD-D108-544FC82A32D8}"/>
               </a:ext>
             </a:extLst>
           </p:cNvPr>
@@ -1131,7 +1131,7 @@
           <a:bodyPr/>
           <a:lstStyle/>
           <a:p>
-            <a:fld id="{6F1AA815-EEE9-4BA4-95E7-B4CA1398B5E1}" type="datetimeFigureOut">
+            <a:fld id="{8D5F87DD-D63A-4C4C-A164-C39A543DF4EE}" type="datetimeFigureOut">
               <a:rPr lang="zh-CN" altLang="en-US" smtClean="0"/>
               <a:t>2024/3/10</a:t>
             </a:fld>
@@ -1144,7 +1144,7 @@
           <p:cNvPr id="5" name="页脚占位符 4">
             <a:extLst>
               <a:ext uri="{FF2B5EF4-FFF2-40B4-BE49-F238E27FC236}">
-                <a16:creationId xmlns:a16="http://schemas.microsoft.com/office/drawing/2014/main" id="{1D540C2F-0EDF-0876-42D6-6C2D9D8A6BF3}"/>
+                <a16:creationId xmlns:a16="http://schemas.microsoft.com/office/drawing/2014/main" id="{B60AA0E6-7374-4B13-0ABE-1E43D20BFBA0}"/>
               </a:ext>
             </a:extLst>
           </p:cNvPr>
@@ -1169,7 +1169,7 @@
           <p:cNvPr id="6" name="灯片编号占位符 5">
             <a:extLst>
               <a:ext uri="{FF2B5EF4-FFF2-40B4-BE49-F238E27FC236}">
-                <a16:creationId xmlns:a16="http://schemas.microsoft.com/office/drawing/2014/main" id="{B2E0952A-2C3A-AD8F-29D6-30F6B515E6E9}"/>
+                <a16:creationId xmlns:a16="http://schemas.microsoft.com/office/drawing/2014/main" id="{0728F49B-A9DA-83CA-915D-15EF8C326DCD}"/>
               </a:ext>
             </a:extLst>
           </p:cNvPr>
@@ -1185,7 +1185,7 @@
           <a:bodyPr/>
           <a:lstStyle/>
           <a:p>
-            <a:fld id="{2821B533-969A-4591-A17F-DDB48F225EB2}" type="slidenum">
+            <a:fld id="{E5B62E72-26D2-4AA7-B037-C5A373601415}" type="slidenum">
               <a:rPr lang="zh-CN" altLang="en-US" smtClean="0"/>
               <a:t>‹#›</a:t>
             </a:fld>
@@ -1196,7 +1196,7 @@
     </p:spTree>
     <p:extLst>
       <p:ext uri="{BB962C8B-B14F-4D97-AF65-F5344CB8AC3E}">
-        <p14:creationId xmlns:p14="http://schemas.microsoft.com/office/powerpoint/2010/main" val="1359317412"/>
+        <p14:creationId xmlns:p14="http://schemas.microsoft.com/office/powerpoint/2010/main" val="773433361"/>
       </p:ext>
     </p:extLst>
   </p:cSld>
@@ -1228,7 +1228,7 @@
           <p:cNvPr id="2" name="标题 1">
             <a:extLst>
               <a:ext uri="{FF2B5EF4-FFF2-40B4-BE49-F238E27FC236}">
-                <a16:creationId xmlns:a16="http://schemas.microsoft.com/office/drawing/2014/main" id="{2788BB5D-EA03-8EDC-B7A8-AADE9FC31211}"/>
+                <a16:creationId xmlns:a16="http://schemas.microsoft.com/office/drawing/2014/main" id="{52F2CAC6-C499-68ED-840A-B472E1A2A2A9}"/>
               </a:ext>
             </a:extLst>
           </p:cNvPr>
@@ -1256,7 +1256,7 @@
           <p:cNvPr id="3" name="内容占位符 2">
             <a:extLst>
               <a:ext uri="{FF2B5EF4-FFF2-40B4-BE49-F238E27FC236}">
-                <a16:creationId xmlns:a16="http://schemas.microsoft.com/office/drawing/2014/main" id="{2C07042B-1C00-3C20-5D86-39C2A7EBE0A8}"/>
+                <a16:creationId xmlns:a16="http://schemas.microsoft.com/office/drawing/2014/main" id="{67596707-7AFE-4A26-5927-C6082AD31947}"/>
               </a:ext>
             </a:extLst>
           </p:cNvPr>
@@ -1318,7 +1318,7 @@
           <p:cNvPr id="4" name="内容占位符 3">
             <a:extLst>
               <a:ext uri="{FF2B5EF4-FFF2-40B4-BE49-F238E27FC236}">
-                <a16:creationId xmlns:a16="http://schemas.microsoft.com/office/drawing/2014/main" id="{7E89E38D-BAF6-FC6F-6AD2-CA8A0F753643}"/>
+                <a16:creationId xmlns:a16="http://schemas.microsoft.com/office/drawing/2014/main" id="{69967784-D905-D93D-37EE-54D1A78185C1}"/>
               </a:ext>
             </a:extLst>
           </p:cNvPr>
@@ -1380,7 +1380,7 @@
           <p:cNvPr id="5" name="日期占位符 4">
             <a:extLst>
               <a:ext uri="{FF2B5EF4-FFF2-40B4-BE49-F238E27FC236}">
-                <a16:creationId xmlns:a16="http://schemas.microsoft.com/office/drawing/2014/main" id="{2E2EAE40-88A7-A0FD-227C-44A78916345B}"/>
+                <a16:creationId xmlns:a16="http://schemas.microsoft.com/office/drawing/2014/main" id="{8803E722-52D1-427A-B16D-C340BB79C8A2}"/>
               </a:ext>
             </a:extLst>
           </p:cNvPr>
@@ -1396,7 +1396,7 @@
           <a:bodyPr/>
           <a:lstStyle/>
           <a:p>
-            <a:fld id="{6F1AA815-EEE9-4BA4-95E7-B4CA1398B5E1}" type="datetimeFigureOut">
+            <a:fld id="{8D5F87DD-D63A-4C4C-A164-C39A543DF4EE}" type="datetimeFigureOut">
               <a:rPr lang="zh-CN" altLang="en-US" smtClean="0"/>
               <a:t>2024/3/10</a:t>
             </a:fld>
@@ -1409,7 +1409,7 @@
           <p:cNvPr id="6" name="页脚占位符 5">
             <a:extLst>
               <a:ext uri="{FF2B5EF4-FFF2-40B4-BE49-F238E27FC236}">
-                <a16:creationId xmlns:a16="http://schemas.microsoft.com/office/drawing/2014/main" id="{08694D17-3A23-9131-B774-F6FFF5D0949C}"/>
+                <a16:creationId xmlns:a16="http://schemas.microsoft.com/office/drawing/2014/main" id="{18C03A78-CF48-8A84-2515-26959A5942FF}"/>
               </a:ext>
             </a:extLst>
           </p:cNvPr>
@@ -1434,7 +1434,7 @@
           <p:cNvPr id="7" name="灯片编号占位符 6">
             <a:extLst>
               <a:ext uri="{FF2B5EF4-FFF2-40B4-BE49-F238E27FC236}">
-                <a16:creationId xmlns:a16="http://schemas.microsoft.com/office/drawing/2014/main" id="{61CA537C-E76A-4F7D-BE46-CACEB3598445}"/>
+                <a16:creationId xmlns:a16="http://schemas.microsoft.com/office/drawing/2014/main" id="{3E2979DF-B778-87D7-EEB0-E314C595A0F4}"/>
               </a:ext>
             </a:extLst>
           </p:cNvPr>
@@ -1450,7 +1450,7 @@
           <a:bodyPr/>
           <a:lstStyle/>
           <a:p>
-            <a:fld id="{2821B533-969A-4591-A17F-DDB48F225EB2}" type="slidenum">
+            <a:fld id="{E5B62E72-26D2-4AA7-B037-C5A373601415}" type="slidenum">
               <a:rPr lang="zh-CN" altLang="en-US" smtClean="0"/>
               <a:t>‹#›</a:t>
             </a:fld>
@@ -1461,7 +1461,7 @@
     </p:spTree>
     <p:extLst>
       <p:ext uri="{BB962C8B-B14F-4D97-AF65-F5344CB8AC3E}">
-        <p14:creationId xmlns:p14="http://schemas.microsoft.com/office/powerpoint/2010/main" val="1761579694"/>
+        <p14:creationId xmlns:p14="http://schemas.microsoft.com/office/powerpoint/2010/main" val="2714368062"/>
       </p:ext>
     </p:extLst>
   </p:cSld>
@@ -1493,7 +1493,7 @@
           <p:cNvPr id="2" name="标题 1">
             <a:extLst>
               <a:ext uri="{FF2B5EF4-FFF2-40B4-BE49-F238E27FC236}">
-                <a16:creationId xmlns:a16="http://schemas.microsoft.com/office/drawing/2014/main" id="{A18499F3-A4E7-F733-FBE0-6AB77E80CE31}"/>
+                <a16:creationId xmlns:a16="http://schemas.microsoft.com/office/drawing/2014/main" id="{993C0522-DB2C-A291-18A5-FEF2DF9F5B2E}"/>
               </a:ext>
             </a:extLst>
           </p:cNvPr>
@@ -1526,7 +1526,7 @@
           <p:cNvPr id="3" name="文本占位符 2">
             <a:extLst>
               <a:ext uri="{FF2B5EF4-FFF2-40B4-BE49-F238E27FC236}">
-                <a16:creationId xmlns:a16="http://schemas.microsoft.com/office/drawing/2014/main" id="{83FA8274-1119-99F4-5E2F-B61072B8F7ED}"/>
+                <a16:creationId xmlns:a16="http://schemas.microsoft.com/office/drawing/2014/main" id="{1943E247-AABD-D20B-C491-EBF6510ED2D9}"/>
               </a:ext>
             </a:extLst>
           </p:cNvPr>
@@ -1597,7 +1597,7 @@
           <p:cNvPr id="4" name="内容占位符 3">
             <a:extLst>
               <a:ext uri="{FF2B5EF4-FFF2-40B4-BE49-F238E27FC236}">
-                <a16:creationId xmlns:a16="http://schemas.microsoft.com/office/drawing/2014/main" id="{F6E27819-1B01-59B1-E9B4-7F390CAEE54F}"/>
+                <a16:creationId xmlns:a16="http://schemas.microsoft.com/office/drawing/2014/main" id="{5C5D1FFB-88CD-E6D4-79A3-C197A2CFDB83}"/>
               </a:ext>
             </a:extLst>
           </p:cNvPr>
@@ -1659,7 +1659,7 @@
           <p:cNvPr id="5" name="文本占位符 4">
             <a:extLst>
               <a:ext uri="{FF2B5EF4-FFF2-40B4-BE49-F238E27FC236}">
-                <a16:creationId xmlns:a16="http://schemas.microsoft.com/office/drawing/2014/main" id="{96FCFB6A-4D16-A9D1-A348-57EC5FAB4EAD}"/>
+                <a16:creationId xmlns:a16="http://schemas.microsoft.com/office/drawing/2014/main" id="{B4C7F790-84EB-0146-5B08-B9742BCDF6E2}"/>
               </a:ext>
             </a:extLst>
           </p:cNvPr>
@@ -1730,7 +1730,7 @@
           <p:cNvPr id="6" name="内容占位符 5">
             <a:extLst>
               <a:ext uri="{FF2B5EF4-FFF2-40B4-BE49-F238E27FC236}">
-                <a16:creationId xmlns:a16="http://schemas.microsoft.com/office/drawing/2014/main" id="{03C1814A-A51E-0BB1-6E63-9DBCF1A7EA3E}"/>
+                <a16:creationId xmlns:a16="http://schemas.microsoft.com/office/drawing/2014/main" id="{D8C0224E-80C9-1250-1D46-55E27D515747}"/>
               </a:ext>
             </a:extLst>
           </p:cNvPr>
@@ -1792,7 +1792,7 @@
           <p:cNvPr id="7" name="日期占位符 6">
             <a:extLst>
               <a:ext uri="{FF2B5EF4-FFF2-40B4-BE49-F238E27FC236}">
-                <a16:creationId xmlns:a16="http://schemas.microsoft.com/office/drawing/2014/main" id="{7AF044BC-9C61-541F-3AE1-E93742052CAA}"/>
+                <a16:creationId xmlns:a16="http://schemas.microsoft.com/office/drawing/2014/main" id="{5D106CEB-563A-027E-442E-4728687F8730}"/>
               </a:ext>
             </a:extLst>
           </p:cNvPr>
@@ -1808,7 +1808,7 @@
           <a:bodyPr/>
           <a:lstStyle/>
           <a:p>
-            <a:fld id="{6F1AA815-EEE9-4BA4-95E7-B4CA1398B5E1}" type="datetimeFigureOut">
+            <a:fld id="{8D5F87DD-D63A-4C4C-A164-C39A543DF4EE}" type="datetimeFigureOut">
               <a:rPr lang="zh-CN" altLang="en-US" smtClean="0"/>
               <a:t>2024/3/10</a:t>
             </a:fld>
@@ -1821,7 +1821,7 @@
           <p:cNvPr id="8" name="页脚占位符 7">
             <a:extLst>
               <a:ext uri="{FF2B5EF4-FFF2-40B4-BE49-F238E27FC236}">
-                <a16:creationId xmlns:a16="http://schemas.microsoft.com/office/drawing/2014/main" id="{CAC66147-A7E4-E249-B1E4-5A713B40905E}"/>
+                <a16:creationId xmlns:a16="http://schemas.microsoft.com/office/drawing/2014/main" id="{8A0F85C6-415E-E6CF-5922-A5AD9BAA78F5}"/>
               </a:ext>
             </a:extLst>
           </p:cNvPr>
@@ -1846,7 +1846,7 @@
           <p:cNvPr id="9" name="灯片编号占位符 8">
             <a:extLst>
               <a:ext uri="{FF2B5EF4-FFF2-40B4-BE49-F238E27FC236}">
-                <a16:creationId xmlns:a16="http://schemas.microsoft.com/office/drawing/2014/main" id="{BB84B3FC-AB94-96E2-1AF3-1574B6875CDA}"/>
+                <a16:creationId xmlns:a16="http://schemas.microsoft.com/office/drawing/2014/main" id="{78B5A465-0B9C-6DE5-920C-61782D3F115C}"/>
               </a:ext>
             </a:extLst>
           </p:cNvPr>
@@ -1862,7 +1862,7 @@
           <a:bodyPr/>
           <a:lstStyle/>
           <a:p>
-            <a:fld id="{2821B533-969A-4591-A17F-DDB48F225EB2}" type="slidenum">
+            <a:fld id="{E5B62E72-26D2-4AA7-B037-C5A373601415}" type="slidenum">
               <a:rPr lang="zh-CN" altLang="en-US" smtClean="0"/>
               <a:t>‹#›</a:t>
             </a:fld>
@@ -1873,7 +1873,7 @@
     </p:spTree>
     <p:extLst>
       <p:ext uri="{BB962C8B-B14F-4D97-AF65-F5344CB8AC3E}">
-        <p14:creationId xmlns:p14="http://schemas.microsoft.com/office/powerpoint/2010/main" val="4207644903"/>
+        <p14:creationId xmlns:p14="http://schemas.microsoft.com/office/powerpoint/2010/main" val="17244970"/>
       </p:ext>
     </p:extLst>
   </p:cSld>
@@ -1905,7 +1905,7 @@
           <p:cNvPr id="2" name="标题 1">
             <a:extLst>
               <a:ext uri="{FF2B5EF4-FFF2-40B4-BE49-F238E27FC236}">
-                <a16:creationId xmlns:a16="http://schemas.microsoft.com/office/drawing/2014/main" id="{664467F9-9E57-6A50-D2F2-F60F3BC29DE8}"/>
+                <a16:creationId xmlns:a16="http://schemas.microsoft.com/office/drawing/2014/main" id="{273BD301-97BA-0238-F5CB-308E8FF7CB90}"/>
               </a:ext>
             </a:extLst>
           </p:cNvPr>
@@ -1933,7 +1933,7 @@
           <p:cNvPr id="3" name="日期占位符 2">
             <a:extLst>
               <a:ext uri="{FF2B5EF4-FFF2-40B4-BE49-F238E27FC236}">
-                <a16:creationId xmlns:a16="http://schemas.microsoft.com/office/drawing/2014/main" id="{108CF166-AA09-E67C-340B-7A46B0A519B8}"/>
+                <a16:creationId xmlns:a16="http://schemas.microsoft.com/office/drawing/2014/main" id="{DD6E9EA5-B67F-180F-C37A-D79E03EE52D4}"/>
               </a:ext>
             </a:extLst>
           </p:cNvPr>
@@ -1949,7 +1949,7 @@
           <a:bodyPr/>
           <a:lstStyle/>
           <a:p>
-            <a:fld id="{6F1AA815-EEE9-4BA4-95E7-B4CA1398B5E1}" type="datetimeFigureOut">
+            <a:fld id="{8D5F87DD-D63A-4C4C-A164-C39A543DF4EE}" type="datetimeFigureOut">
               <a:rPr lang="zh-CN" altLang="en-US" smtClean="0"/>
               <a:t>2024/3/10</a:t>
             </a:fld>
@@ -1962,7 +1962,7 @@
           <p:cNvPr id="4" name="页脚占位符 3">
             <a:extLst>
               <a:ext uri="{FF2B5EF4-FFF2-40B4-BE49-F238E27FC236}">
-                <a16:creationId xmlns:a16="http://schemas.microsoft.com/office/drawing/2014/main" id="{BE14554A-47BB-8E96-1AD7-2B867E92984A}"/>
+                <a16:creationId xmlns:a16="http://schemas.microsoft.com/office/drawing/2014/main" id="{C96159AC-F141-C254-D482-C13AE43F4285}"/>
               </a:ext>
             </a:extLst>
           </p:cNvPr>
@@ -1987,7 +1987,7 @@
           <p:cNvPr id="5" name="灯片编号占位符 4">
             <a:extLst>
               <a:ext uri="{FF2B5EF4-FFF2-40B4-BE49-F238E27FC236}">
-                <a16:creationId xmlns:a16="http://schemas.microsoft.com/office/drawing/2014/main" id="{025DA171-7794-C0A3-AA59-038FE3C0879D}"/>
+                <a16:creationId xmlns:a16="http://schemas.microsoft.com/office/drawing/2014/main" id="{F19B969A-CACB-974C-6164-005952783CAC}"/>
               </a:ext>
             </a:extLst>
           </p:cNvPr>
@@ -2003,7 +2003,7 @@
           <a:bodyPr/>
           <a:lstStyle/>
           <a:p>
-            <a:fld id="{2821B533-969A-4591-A17F-DDB48F225EB2}" type="slidenum">
+            <a:fld id="{E5B62E72-26D2-4AA7-B037-C5A373601415}" type="slidenum">
               <a:rPr lang="zh-CN" altLang="en-US" smtClean="0"/>
               <a:t>‹#›</a:t>
             </a:fld>
@@ -2014,7 +2014,7 @@
     </p:spTree>
     <p:extLst>
       <p:ext uri="{BB962C8B-B14F-4D97-AF65-F5344CB8AC3E}">
-        <p14:creationId xmlns:p14="http://schemas.microsoft.com/office/powerpoint/2010/main" val="93099711"/>
+        <p14:creationId xmlns:p14="http://schemas.microsoft.com/office/powerpoint/2010/main" val="2055802415"/>
       </p:ext>
     </p:extLst>
   </p:cSld>
@@ -2046,7 +2046,7 @@
           <p:cNvPr id="2" name="日期占位符 1">
             <a:extLst>
               <a:ext uri="{FF2B5EF4-FFF2-40B4-BE49-F238E27FC236}">
-                <a16:creationId xmlns:a16="http://schemas.microsoft.com/office/drawing/2014/main" id="{662C288D-DBDD-D85A-3474-0B38CCB71D66}"/>
+                <a16:creationId xmlns:a16="http://schemas.microsoft.com/office/drawing/2014/main" id="{130D3E23-C55C-36C5-C3F9-12CFDD70DA65}"/>
               </a:ext>
             </a:extLst>
           </p:cNvPr>
@@ -2062,7 +2062,7 @@
           <a:bodyPr/>
           <a:lstStyle/>
           <a:p>
-            <a:fld id="{6F1AA815-EEE9-4BA4-95E7-B4CA1398B5E1}" type="datetimeFigureOut">
+            <a:fld id="{8D5F87DD-D63A-4C4C-A164-C39A543DF4EE}" type="datetimeFigureOut">
               <a:rPr lang="zh-CN" altLang="en-US" smtClean="0"/>
               <a:t>2024/3/10</a:t>
             </a:fld>
@@ -2075,7 +2075,7 @@
           <p:cNvPr id="3" name="页脚占位符 2">
             <a:extLst>
               <a:ext uri="{FF2B5EF4-FFF2-40B4-BE49-F238E27FC236}">
-                <a16:creationId xmlns:a16="http://schemas.microsoft.com/office/drawing/2014/main" id="{58B6C688-A956-DEA6-25CB-49D7FD5F05C5}"/>
+                <a16:creationId xmlns:a16="http://schemas.microsoft.com/office/drawing/2014/main" id="{5B1FB40C-653E-24F2-0E6C-ED8B00A69B50}"/>
               </a:ext>
             </a:extLst>
           </p:cNvPr>
@@ -2100,7 +2100,7 @@
           <p:cNvPr id="4" name="灯片编号占位符 3">
             <a:extLst>
               <a:ext uri="{FF2B5EF4-FFF2-40B4-BE49-F238E27FC236}">
-                <a16:creationId xmlns:a16="http://schemas.microsoft.com/office/drawing/2014/main" id="{D5B458CD-BC78-E56B-AB0B-0C54A6B03F52}"/>
+                <a16:creationId xmlns:a16="http://schemas.microsoft.com/office/drawing/2014/main" id="{6E75A90A-A8A1-451C-2CAE-FCA77FAA1B64}"/>
               </a:ext>
             </a:extLst>
           </p:cNvPr>
@@ -2116,7 +2116,7 @@
           <a:bodyPr/>
           <a:lstStyle/>
           <a:p>
-            <a:fld id="{2821B533-969A-4591-A17F-DDB48F225EB2}" type="slidenum">
+            <a:fld id="{E5B62E72-26D2-4AA7-B037-C5A373601415}" type="slidenum">
               <a:rPr lang="zh-CN" altLang="en-US" smtClean="0"/>
               <a:t>‹#›</a:t>
             </a:fld>
@@ -2127,7 +2127,7 @@
     </p:spTree>
     <p:extLst>
       <p:ext uri="{BB962C8B-B14F-4D97-AF65-F5344CB8AC3E}">
-        <p14:creationId xmlns:p14="http://schemas.microsoft.com/office/powerpoint/2010/main" val="1021450672"/>
+        <p14:creationId xmlns:p14="http://schemas.microsoft.com/office/powerpoint/2010/main" val="3659007770"/>
       </p:ext>
     </p:extLst>
   </p:cSld>
@@ -2159,7 +2159,7 @@
           <p:cNvPr id="2" name="标题 1">
             <a:extLst>
               <a:ext uri="{FF2B5EF4-FFF2-40B4-BE49-F238E27FC236}">
-                <a16:creationId xmlns:a16="http://schemas.microsoft.com/office/drawing/2014/main" id="{46282448-81C0-5C5E-F784-950A7B8B97D4}"/>
+                <a16:creationId xmlns:a16="http://schemas.microsoft.com/office/drawing/2014/main" id="{403A7275-D7CD-E00A-DD60-7191FF487C88}"/>
               </a:ext>
             </a:extLst>
           </p:cNvPr>
@@ -2196,7 +2196,7 @@
           <p:cNvPr id="3" name="内容占位符 2">
             <a:extLst>
               <a:ext uri="{FF2B5EF4-FFF2-40B4-BE49-F238E27FC236}">
-                <a16:creationId xmlns:a16="http://schemas.microsoft.com/office/drawing/2014/main" id="{8E031F44-50C6-3C0B-98B2-325542ADBCAC}"/>
+                <a16:creationId xmlns:a16="http://schemas.microsoft.com/office/drawing/2014/main" id="{0C6E994F-D8F1-DE5B-4DE4-392A94C460CF}"/>
               </a:ext>
             </a:extLst>
           </p:cNvPr>
@@ -2286,7 +2286,7 @@
           <p:cNvPr id="4" name="文本占位符 3">
             <a:extLst>
               <a:ext uri="{FF2B5EF4-FFF2-40B4-BE49-F238E27FC236}">
-                <a16:creationId xmlns:a16="http://schemas.microsoft.com/office/drawing/2014/main" id="{75DE70CB-272A-D06A-6178-DDEC3EEEB176}"/>
+                <a16:creationId xmlns:a16="http://schemas.microsoft.com/office/drawing/2014/main" id="{02980FAA-71EF-AB45-508C-42ADC0325744}"/>
               </a:ext>
             </a:extLst>
           </p:cNvPr>
@@ -2357,7 +2357,7 @@
           <p:cNvPr id="5" name="日期占位符 4">
             <a:extLst>
               <a:ext uri="{FF2B5EF4-FFF2-40B4-BE49-F238E27FC236}">
-                <a16:creationId xmlns:a16="http://schemas.microsoft.com/office/drawing/2014/main" id="{25A1AD34-3DA7-E551-E4CF-0E10B9E373EA}"/>
+                <a16:creationId xmlns:a16="http://schemas.microsoft.com/office/drawing/2014/main" id="{08072F01-6C84-44B7-FAF7-4DE1D23ADDFE}"/>
               </a:ext>
             </a:extLst>
           </p:cNvPr>
@@ -2373,7 +2373,7 @@
           <a:bodyPr/>
           <a:lstStyle/>
           <a:p>
-            <a:fld id="{6F1AA815-EEE9-4BA4-95E7-B4CA1398B5E1}" type="datetimeFigureOut">
+            <a:fld id="{8D5F87DD-D63A-4C4C-A164-C39A543DF4EE}" type="datetimeFigureOut">
               <a:rPr lang="zh-CN" altLang="en-US" smtClean="0"/>
               <a:t>2024/3/10</a:t>
             </a:fld>
@@ -2386,7 +2386,7 @@
           <p:cNvPr id="6" name="页脚占位符 5">
             <a:extLst>
               <a:ext uri="{FF2B5EF4-FFF2-40B4-BE49-F238E27FC236}">
-                <a16:creationId xmlns:a16="http://schemas.microsoft.com/office/drawing/2014/main" id="{4E19B3F4-4851-A608-9482-E1968408D549}"/>
+                <a16:creationId xmlns:a16="http://schemas.microsoft.com/office/drawing/2014/main" id="{6ABB390C-68B4-A2C4-8B0A-844D5045BD77}"/>
               </a:ext>
             </a:extLst>
           </p:cNvPr>
@@ -2411,7 +2411,7 @@
           <p:cNvPr id="7" name="灯片编号占位符 6">
             <a:extLst>
               <a:ext uri="{FF2B5EF4-FFF2-40B4-BE49-F238E27FC236}">
-                <a16:creationId xmlns:a16="http://schemas.microsoft.com/office/drawing/2014/main" id="{00278784-D80F-8C7B-D03B-72F82AD48B9F}"/>
+                <a16:creationId xmlns:a16="http://schemas.microsoft.com/office/drawing/2014/main" id="{2DCD820E-2C67-1BF3-7B7B-52B30D12CD84}"/>
               </a:ext>
             </a:extLst>
           </p:cNvPr>
@@ -2427,7 +2427,7 @@
           <a:bodyPr/>
           <a:lstStyle/>
           <a:p>
-            <a:fld id="{2821B533-969A-4591-A17F-DDB48F225EB2}" type="slidenum">
+            <a:fld id="{E5B62E72-26D2-4AA7-B037-C5A373601415}" type="slidenum">
               <a:rPr lang="zh-CN" altLang="en-US" smtClean="0"/>
               <a:t>‹#›</a:t>
             </a:fld>
@@ -2438,7 +2438,7 @@
     </p:spTree>
     <p:extLst>
       <p:ext uri="{BB962C8B-B14F-4D97-AF65-F5344CB8AC3E}">
-        <p14:creationId xmlns:p14="http://schemas.microsoft.com/office/powerpoint/2010/main" val="4260587233"/>
+        <p14:creationId xmlns:p14="http://schemas.microsoft.com/office/powerpoint/2010/main" val="3012985600"/>
       </p:ext>
     </p:extLst>
   </p:cSld>
@@ -2470,7 +2470,7 @@
           <p:cNvPr id="2" name="标题 1">
             <a:extLst>
               <a:ext uri="{FF2B5EF4-FFF2-40B4-BE49-F238E27FC236}">
-                <a16:creationId xmlns:a16="http://schemas.microsoft.com/office/drawing/2014/main" id="{115A43BF-E565-1A02-B949-69E87302DC6E}"/>
+                <a16:creationId xmlns:a16="http://schemas.microsoft.com/office/drawing/2014/main" id="{E6EF3897-283B-F893-5781-843C4042DAEA}"/>
               </a:ext>
             </a:extLst>
           </p:cNvPr>
@@ -2507,7 +2507,7 @@
           <p:cNvPr id="3" name="图片占位符 2">
             <a:extLst>
               <a:ext uri="{FF2B5EF4-FFF2-40B4-BE49-F238E27FC236}">
-                <a16:creationId xmlns:a16="http://schemas.microsoft.com/office/drawing/2014/main" id="{B266B15A-0C03-718D-3801-3458C39E1EDE}"/>
+                <a16:creationId xmlns:a16="http://schemas.microsoft.com/office/drawing/2014/main" id="{8F7DE452-310D-D383-E521-7623781752EF}"/>
               </a:ext>
             </a:extLst>
           </p:cNvPr>
@@ -2574,7 +2574,7 @@
           <p:cNvPr id="4" name="文本占位符 3">
             <a:extLst>
               <a:ext uri="{FF2B5EF4-FFF2-40B4-BE49-F238E27FC236}">
-                <a16:creationId xmlns:a16="http://schemas.microsoft.com/office/drawing/2014/main" id="{CD4318A8-0ECC-CA18-AB97-63876C1088FA}"/>
+                <a16:creationId xmlns:a16="http://schemas.microsoft.com/office/drawing/2014/main" id="{4FDBA86D-1086-9BE7-92C4-66027BF86BA0}"/>
               </a:ext>
             </a:extLst>
           </p:cNvPr>
@@ -2645,7 +2645,7 @@
           <p:cNvPr id="5" name="日期占位符 4">
             <a:extLst>
               <a:ext uri="{FF2B5EF4-FFF2-40B4-BE49-F238E27FC236}">
-                <a16:creationId xmlns:a16="http://schemas.microsoft.com/office/drawing/2014/main" id="{9A722C05-87B4-BD09-4026-ED231CE5C35E}"/>
+                <a16:creationId xmlns:a16="http://schemas.microsoft.com/office/drawing/2014/main" id="{6FBDCE47-EF94-7698-5DC0-26B20B8B0D26}"/>
               </a:ext>
             </a:extLst>
           </p:cNvPr>
@@ -2661,7 +2661,7 @@
           <a:bodyPr/>
           <a:lstStyle/>
           <a:p>
-            <a:fld id="{6F1AA815-EEE9-4BA4-95E7-B4CA1398B5E1}" type="datetimeFigureOut">
+            <a:fld id="{8D5F87DD-D63A-4C4C-A164-C39A543DF4EE}" type="datetimeFigureOut">
               <a:rPr lang="zh-CN" altLang="en-US" smtClean="0"/>
               <a:t>2024/3/10</a:t>
             </a:fld>
@@ -2674,7 +2674,7 @@
           <p:cNvPr id="6" name="页脚占位符 5">
             <a:extLst>
               <a:ext uri="{FF2B5EF4-FFF2-40B4-BE49-F238E27FC236}">
-                <a16:creationId xmlns:a16="http://schemas.microsoft.com/office/drawing/2014/main" id="{0AAE8E50-DD64-7B05-B145-3DB7ED8410CE}"/>
+                <a16:creationId xmlns:a16="http://schemas.microsoft.com/office/drawing/2014/main" id="{3DC0B56B-6AD6-6C3C-69E3-17F3B6E28A57}"/>
               </a:ext>
             </a:extLst>
           </p:cNvPr>
@@ -2699,7 +2699,7 @@
           <p:cNvPr id="7" name="灯片编号占位符 6">
             <a:extLst>
               <a:ext uri="{FF2B5EF4-FFF2-40B4-BE49-F238E27FC236}">
-                <a16:creationId xmlns:a16="http://schemas.microsoft.com/office/drawing/2014/main" id="{B2A2A3BE-81BE-4A86-064E-C38B6CA2876A}"/>
+                <a16:creationId xmlns:a16="http://schemas.microsoft.com/office/drawing/2014/main" id="{87A787F0-EC75-F2A1-3CA6-33721607A110}"/>
               </a:ext>
             </a:extLst>
           </p:cNvPr>
@@ -2715,7 +2715,7 @@
           <a:bodyPr/>
           <a:lstStyle/>
           <a:p>
-            <a:fld id="{2821B533-969A-4591-A17F-DDB48F225EB2}" type="slidenum">
+            <a:fld id="{E5B62E72-26D2-4AA7-B037-C5A373601415}" type="slidenum">
               <a:rPr lang="zh-CN" altLang="en-US" smtClean="0"/>
               <a:t>‹#›</a:t>
             </a:fld>
@@ -2726,7 +2726,7 @@
     </p:spTree>
     <p:extLst>
       <p:ext uri="{BB962C8B-B14F-4D97-AF65-F5344CB8AC3E}">
-        <p14:creationId xmlns:p14="http://schemas.microsoft.com/office/powerpoint/2010/main" val="4282767020"/>
+        <p14:creationId xmlns:p14="http://schemas.microsoft.com/office/powerpoint/2010/main" val="840923112"/>
       </p:ext>
     </p:extLst>
   </p:cSld>
@@ -2763,7 +2763,7 @@
           <p:cNvPr id="2" name="标题占位符 1">
             <a:extLst>
               <a:ext uri="{FF2B5EF4-FFF2-40B4-BE49-F238E27FC236}">
-                <a16:creationId xmlns:a16="http://schemas.microsoft.com/office/drawing/2014/main" id="{F73A31CE-868F-EF8D-DB89-6C7CAD5999FE}"/>
+                <a16:creationId xmlns:a16="http://schemas.microsoft.com/office/drawing/2014/main" id="{C515E5F7-BF9F-6C0C-EF0E-02334E2077E4}"/>
               </a:ext>
             </a:extLst>
           </p:cNvPr>
@@ -2801,7 +2801,7 @@
           <p:cNvPr id="3" name="文本占位符 2">
             <a:extLst>
               <a:ext uri="{FF2B5EF4-FFF2-40B4-BE49-F238E27FC236}">
-                <a16:creationId xmlns:a16="http://schemas.microsoft.com/office/drawing/2014/main" id="{535A16D2-85E2-3994-653B-070C17015BC9}"/>
+                <a16:creationId xmlns:a16="http://schemas.microsoft.com/office/drawing/2014/main" id="{78E7081A-DA0D-F780-5D11-0CF121DFF359}"/>
               </a:ext>
             </a:extLst>
           </p:cNvPr>
@@ -2868,7 +2868,7 @@
           <p:cNvPr id="4" name="日期占位符 3">
             <a:extLst>
               <a:ext uri="{FF2B5EF4-FFF2-40B4-BE49-F238E27FC236}">
-                <a16:creationId xmlns:a16="http://schemas.microsoft.com/office/drawing/2014/main" id="{93D3805B-A4CE-A1F8-C42F-D2058B55B843}"/>
+                <a16:creationId xmlns:a16="http://schemas.microsoft.com/office/drawing/2014/main" id="{79392FD9-D854-8C7E-484D-E6D0B8435594}"/>
               </a:ext>
             </a:extLst>
           </p:cNvPr>
@@ -2902,7 +2902,7 @@
             </a:lvl1pPr>
           </a:lstStyle>
           <a:p>
-            <a:fld id="{6F1AA815-EEE9-4BA4-95E7-B4CA1398B5E1}" type="datetimeFigureOut">
+            <a:fld id="{8D5F87DD-D63A-4C4C-A164-C39A543DF4EE}" type="datetimeFigureOut">
               <a:rPr lang="zh-CN" altLang="en-US" smtClean="0"/>
               <a:t>2024/3/10</a:t>
             </a:fld>
@@ -2915,7 +2915,7 @@
           <p:cNvPr id="5" name="页脚占位符 4">
             <a:extLst>
               <a:ext uri="{FF2B5EF4-FFF2-40B4-BE49-F238E27FC236}">
-                <a16:creationId xmlns:a16="http://schemas.microsoft.com/office/drawing/2014/main" id="{02AF2FD3-0C94-7850-6D1B-D01DC5D51453}"/>
+                <a16:creationId xmlns:a16="http://schemas.microsoft.com/office/drawing/2014/main" id="{A44E5F00-7469-98DB-C95E-04DFBCB1CB08}"/>
               </a:ext>
             </a:extLst>
           </p:cNvPr>
@@ -2958,7 +2958,7 @@
           <p:cNvPr id="6" name="灯片编号占位符 5">
             <a:extLst>
               <a:ext uri="{FF2B5EF4-FFF2-40B4-BE49-F238E27FC236}">
-                <a16:creationId xmlns:a16="http://schemas.microsoft.com/office/drawing/2014/main" id="{16969970-7D3F-60C5-E3A2-6BA123EB01B3}"/>
+                <a16:creationId xmlns:a16="http://schemas.microsoft.com/office/drawing/2014/main" id="{F08EBB73-8A1F-D75A-9804-0D4F7AD0E1C6}"/>
               </a:ext>
             </a:extLst>
           </p:cNvPr>
@@ -2992,7 +2992,7 @@
             </a:lvl1pPr>
           </a:lstStyle>
           <a:p>
-            <a:fld id="{2821B533-969A-4591-A17F-DDB48F225EB2}" type="slidenum">
+            <a:fld id="{E5B62E72-26D2-4AA7-B037-C5A373601415}" type="slidenum">
               <a:rPr lang="zh-CN" altLang="en-US" smtClean="0"/>
               <a:t>‹#›</a:t>
             </a:fld>
@@ -3003,7 +3003,7 @@
     </p:spTree>
     <p:extLst>
       <p:ext uri="{BB962C8B-B14F-4D97-AF65-F5344CB8AC3E}">
-        <p14:creationId xmlns:p14="http://schemas.microsoft.com/office/powerpoint/2010/main" val="2957007744"/>
+        <p14:creationId xmlns:p14="http://schemas.microsoft.com/office/powerpoint/2010/main" val="1810561076"/>
       </p:ext>
     </p:extLst>
   </p:cSld>
@@ -3323,7 +3323,7 @@
       </p:grpSpPr>
       <p:pic>
         <p:nvPicPr>
-          <p:cNvPr id="434178" name="Picture 2" descr="423"/>
+          <p:cNvPr id="435202" name="Picture 2" descr="424"/>
           <p:cNvPicPr>
             <a:picLocks noChangeAspect="1" noChangeArrowheads="1"/>
           </p:cNvPicPr>
@@ -3345,7 +3345,7 @@
         <p:spPr bwMode="auto">
           <a:xfrm>
             <a:off x="1524000" y="0"/>
-            <a:ext cx="9144000" cy="6597650"/>
+            <a:ext cx="9144000" cy="6858000"/>
           </a:xfrm>
           <a:prstGeom prst="rect">
             <a:avLst/>
@@ -3375,158 +3375,11 @@
           </a:extLst>
         </p:spPr>
       </p:pic>
-      <p:pic>
-        <p:nvPicPr>
-          <p:cNvPr id="435203" name="Picture 3" descr="423-2"/>
-          <p:cNvPicPr>
-            <a:picLocks noChangeAspect="1" noChangeArrowheads="1"/>
-          </p:cNvPicPr>
-          <p:nvPr/>
-        </p:nvPicPr>
-        <p:blipFill>
-          <a:blip r:embed="rId3">
-            <a:extLst>
-              <a:ext uri="{28A0092B-C50C-407E-A947-70E740481C1C}">
-                <a14:useLocalDpi xmlns:a14="http://schemas.microsoft.com/office/drawing/2010/main" val="0"/>
-              </a:ext>
-            </a:extLst>
-          </a:blip>
-          <a:srcRect/>
-          <a:stretch>
-            <a:fillRect/>
-          </a:stretch>
-        </p:blipFill>
-        <p:spPr bwMode="auto">
-          <a:xfrm>
-            <a:off x="1524000" y="1"/>
-            <a:ext cx="9144000" cy="6670675"/>
-          </a:xfrm>
-          <a:prstGeom prst="rect">
-            <a:avLst/>
-          </a:prstGeom>
-          <a:noFill/>
-          <a:ln>
-            <a:noFill/>
-          </a:ln>
-          <a:effectLst/>
-          <a:extLst>
-            <a:ext uri="{909E8E84-426E-40DD-AFC4-6F175D3DCCD1}">
-              <a14:hiddenFill xmlns:a14="http://schemas.microsoft.com/office/drawing/2010/main">
-                <a:solidFill>
-                  <a:srgbClr val="FFFFFF"/>
-                </a:solidFill>
-              </a14:hiddenFill>
-            </a:ext>
-            <a:ext uri="{91240B29-F687-4F45-9708-019B960494DF}">
-              <a14:hiddenLine xmlns:a14="http://schemas.microsoft.com/office/drawing/2010/main" w="9525">
-                <a:solidFill>
-                  <a:srgbClr val="000000"/>
-                </a:solidFill>
-                <a:miter lim="800000"/>
-                <a:headEnd/>
-                <a:tailEnd/>
-              </a14:hiddenLine>
-            </a:ext>
-            <a:ext uri="{AF507438-7753-43E0-B8FC-AC1667EBCBE1}">
-              <a14:hiddenEffects xmlns:a14="http://schemas.microsoft.com/office/drawing/2010/main">
-                <a:effectLst>
-                  <a:outerShdw dist="35921" dir="2700000" algn="ctr" rotWithShape="0">
-                    <a:srgbClr val="808080"/>
-                  </a:outerShdw>
-                </a:effectLst>
-              </a14:hiddenEffects>
-            </a:ext>
-          </a:extLst>
-        </p:spPr>
-      </p:pic>
     </p:spTree>
   </p:cSld>
   <p:clrMapOvr>
     <a:masterClrMapping/>
   </p:clrMapOvr>
-  <p:timing>
-    <p:tnLst>
-      <p:par>
-        <p:cTn id="1" dur="indefinite" restart="never" nodeType="tmRoot">
-          <p:childTnLst>
-            <p:seq concurrent="1" nextAc="seek">
-              <p:cTn id="2" dur="indefinite" nodeType="mainSeq">
-                <p:childTnLst>
-                  <p:par>
-                    <p:cTn id="3" fill="hold" nodeType="clickPar">
-                      <p:stCondLst>
-                        <p:cond delay="indefinite"/>
-                      </p:stCondLst>
-                      <p:childTnLst>
-                        <p:par>
-                          <p:cTn id="4" fill="hold" nodeType="withGroup">
-                            <p:stCondLst>
-                              <p:cond delay="0"/>
-                            </p:stCondLst>
-                            <p:childTnLst>
-                              <p:par>
-                                <p:cTn id="5" presetID="10" presetClass="entr" presetSubtype="0" fill="hold" nodeType="clickEffect">
-                                  <p:stCondLst>
-                                    <p:cond delay="0"/>
-                                  </p:stCondLst>
-                                  <p:childTnLst>
-                                    <p:set>
-                                      <p:cBhvr>
-                                        <p:cTn id="6" dur="1" fill="hold">
-                                          <p:stCondLst>
-                                            <p:cond delay="0"/>
-                                          </p:stCondLst>
-                                        </p:cTn>
-                                        <p:tgtEl>
-                                          <p:spTgt spid="435203"/>
-                                        </p:tgtEl>
-                                        <p:attrNameLst>
-                                          <p:attrName>style.visibility</p:attrName>
-                                        </p:attrNameLst>
-                                      </p:cBhvr>
-                                      <p:to>
-                                        <p:strVal val="visible"/>
-                                      </p:to>
-                                    </p:set>
-                                    <p:animEffect transition="in" filter="fade">
-                                      <p:cBhvr>
-                                        <p:cTn id="7" dur="500"/>
-                                        <p:tgtEl>
-                                          <p:spTgt spid="435203"/>
-                                        </p:tgtEl>
-                                      </p:cBhvr>
-                                    </p:animEffect>
-                                  </p:childTnLst>
-                                </p:cTn>
-                              </p:par>
-                            </p:childTnLst>
-                          </p:cTn>
-                        </p:par>
-                      </p:childTnLst>
-                    </p:cTn>
-                  </p:par>
-                </p:childTnLst>
-              </p:cTn>
-              <p:prevCondLst>
-                <p:cond evt="onPrev" delay="0">
-                  <p:tgtEl>
-                    <p:sldTgt/>
-                  </p:tgtEl>
-                </p:cond>
-              </p:prevCondLst>
-              <p:nextCondLst>
-                <p:cond evt="onNext" delay="0">
-                  <p:tgtEl>
-                    <p:sldTgt/>
-                  </p:tgtEl>
-                </p:cond>
-              </p:nextCondLst>
-            </p:seq>
-          </p:childTnLst>
-        </p:cTn>
-      </p:par>
-    </p:tnLst>
-  </p:timing>
 </p:sld>
 </file>
 
